--- a/Payroll_System_Presentation.pptx
+++ b/Payroll_System_Presentation.pptx
@@ -4302,7 +4302,7 @@
       <dgm:spPr/>
     </dgm:pt>
     <dgm:pt modelId="{D91D2122-E1CD-4628-9A52-72CD1BC210B9}" type="pres">
-      <dgm:prSet presAssocID="{F897CD76-9609-4543-BBA0-710020DF6C8E}" presName="centerShape" presStyleLbl="node0" presStyleIdx="0" presStyleCnt="1"/>
+      <dgm:prSet presAssocID="{F897CD76-9609-4543-BBA0-710020DF6C8E}" presName="centerShape" presStyleLbl="node0" presStyleIdx="0" presStyleCnt="1" custLinFactNeighborX="591" custLinFactNeighborY="-591"/>
       <dgm:spPr/>
     </dgm:pt>
     <dgm:pt modelId="{3411B43D-9C8B-438A-8A32-5B04C015385D}" type="pres">
@@ -4346,7 +4346,7 @@
       <dgm:spPr/>
     </dgm:pt>
     <dgm:pt modelId="{C4A23109-1C6B-4C6B-BCC0-3614137677D4}" type="pres">
-      <dgm:prSet presAssocID="{BD14E048-105D-4CCA-9EDF-BE582F756EB7}" presName="node" presStyleLbl="node1" presStyleIdx="2" presStyleCnt="4">
+      <dgm:prSet presAssocID="{BD14E048-105D-4CCA-9EDF-BE582F756EB7}" presName="node" presStyleLbl="node1" presStyleIdx="2" presStyleCnt="4" custRadScaleRad="95271" custRadScaleInc="-790">
         <dgm:presLayoutVars>
           <dgm:bulletEnabled val="1"/>
         </dgm:presLayoutVars>
@@ -6786,7 +6786,7 @@
       </dsp:nvSpPr>
       <dsp:spPr>
         <a:xfrm>
-          <a:off x="2949993" y="1076109"/>
+          <a:off x="2962685" y="1063417"/>
           <a:ext cx="767511" cy="767511"/>
         </a:xfrm>
         <a:prstGeom prst="ellipse">
@@ -6852,7 +6852,7 @@
         </a:p>
       </dsp:txBody>
       <dsp:txXfrm>
-        <a:off x="3062392" y="1188508"/>
+        <a:off x="3075084" y="1175816"/>
         <a:ext cx="542713" cy="542713"/>
       </dsp:txXfrm>
     </dsp:sp>
@@ -6862,9 +6862,9 @@
         <dsp:cNvSpPr/>
       </dsp:nvSpPr>
       <dsp:spPr>
-        <a:xfrm rot="16200000">
-          <a:off x="3252598" y="797110"/>
-          <a:ext cx="162302" cy="260953"/>
+        <a:xfrm rot="16158882">
+          <a:off x="3262339" y="790574"/>
+          <a:ext cx="155616" cy="260953"/>
         </a:xfrm>
         <a:prstGeom prst="rightArrow">
           <a:avLst>
@@ -6921,9 +6921,9 @@
           <a:endParaRPr lang="en-US" sz="600" kern="1200"/>
         </a:p>
       </dsp:txBody>
-      <dsp:txXfrm>
-        <a:off x="3276944" y="873647"/>
-        <a:ext cx="113611" cy="156571"/>
+      <dsp:txXfrm rot="10800000">
+        <a:off x="3285961" y="866106"/>
+        <a:ext cx="108931" cy="156571"/>
       </dsp:txXfrm>
     </dsp:sp>
     <dsp:sp modelId="{1294F1F4-F585-49B6-A40D-D4937C07D412}">
@@ -7009,9 +7009,9 @@
         <dsp:cNvSpPr/>
       </dsp:nvSpPr>
       <dsp:spPr>
-        <a:xfrm>
-          <a:off x="3784876" y="1329388"/>
-          <a:ext cx="162302" cy="260953"/>
+        <a:xfrm rot="41118">
+          <a:off x="3794754" y="1322989"/>
+          <a:ext cx="155616" cy="260953"/>
         </a:xfrm>
         <a:prstGeom prst="rightArrow">
           <a:avLst>
@@ -7069,8 +7069,8 @@
         </a:p>
       </dsp:txBody>
       <dsp:txXfrm>
-        <a:off x="3784876" y="1381579"/>
-        <a:ext cx="113611" cy="156571"/>
+        <a:off x="3794756" y="1374901"/>
+        <a:ext cx="108931" cy="156571"/>
       </dsp:txXfrm>
     </dsp:sp>
     <dsp:sp modelId="{01F415CF-4E0B-463C-B4A6-61A677F88823}">
@@ -7156,9 +7156,9 @@
         <dsp:cNvSpPr/>
       </dsp:nvSpPr>
       <dsp:spPr>
-        <a:xfrm rot="5400000">
-          <a:off x="3252598" y="1861666"/>
-          <a:ext cx="162302" cy="260953"/>
+        <a:xfrm rot="5421060">
+          <a:off x="3272234" y="1830493"/>
+          <a:ext cx="142117" cy="260953"/>
         </a:xfrm>
         <a:prstGeom prst="rightArrow">
           <a:avLst>
@@ -7215,9 +7215,9 @@
           <a:endParaRPr lang="en-US" sz="600" kern="1200"/>
         </a:p>
       </dsp:txBody>
-      <dsp:txXfrm>
-        <a:off x="3276944" y="1889512"/>
-        <a:ext cx="113611" cy="156571"/>
+      <dsp:txXfrm rot="10800000">
+        <a:off x="3293682" y="1861367"/>
+        <a:ext cx="99482" cy="156571"/>
       </dsp:txXfrm>
     </dsp:sp>
     <dsp:sp modelId="{C4A23109-1C6B-4C6B-BCC0-3614137677D4}">
@@ -7227,7 +7227,7 @@
       </dsp:nvSpPr>
       <dsp:spPr>
         <a:xfrm>
-          <a:off x="2949993" y="2149852"/>
+          <a:off x="2956341" y="2099055"/>
           <a:ext cx="767511" cy="767511"/>
         </a:xfrm>
         <a:prstGeom prst="ellipse">
@@ -7293,7 +7293,7 @@
         </a:p>
       </dsp:txBody>
       <dsp:txXfrm>
-        <a:off x="3062392" y="2262251"/>
+        <a:off x="3068740" y="2211454"/>
         <a:ext cx="542713" cy="542713"/>
       </dsp:txXfrm>
     </dsp:sp>
@@ -7303,9 +7303,9 @@
         <dsp:cNvSpPr/>
       </dsp:nvSpPr>
       <dsp:spPr>
-        <a:xfrm rot="10800000">
-          <a:off x="2720320" y="1329388"/>
-          <a:ext cx="162302" cy="260953"/>
+        <a:xfrm rot="10759842">
+          <a:off x="2723474" y="1322986"/>
+          <a:ext cx="169068" cy="260953"/>
         </a:xfrm>
         <a:prstGeom prst="rightArrow">
           <a:avLst>
@@ -7363,8 +7363,8 @@
         </a:p>
       </dsp:txBody>
       <dsp:txXfrm rot="10800000">
-        <a:off x="2769011" y="1381579"/>
-        <a:ext cx="113611" cy="156571"/>
+        <a:off x="2774192" y="1374881"/>
+        <a:ext cx="118348" cy="156571"/>
       </dsp:txXfrm>
     </dsp:sp>
     <dsp:sp modelId="{E9B5B956-B442-4887-90EB-203738E441BE}">
@@ -21890,21 +21890,7 @@
             </a:pPr>
             <a:r>
               <a:rPr lang="en-US" dirty="0"/>
-              <a:t>Handles payroll for </a:t>
-            </a:r>
-            <a:r>
-              <a:rPr lang="en-US"/>
-              <a:t>different types of employment</a:t>
-            </a:r>
-            <a:endParaRPr lang="en-US" dirty="0"/>
-          </a:p>
-          <a:p>
-            <a:pPr marL="0" indent="0">
-              <a:buNone/>
-            </a:pPr>
-            <a:r>
-              <a:rPr lang="en-US" dirty="0"/>
-              <a:t>Ensuring precise salary calculations</a:t>
+              <a:t>Flexible payroll system for different types of employment</a:t>
             </a:r>
           </a:p>
           <a:p>
@@ -21913,7 +21899,7 @@
             </a:pPr>
             <a:r>
               <a:rPr lang="en-US" dirty="0"/>
-              <a:t>Ensuring Transparency </a:t>
+              <a:t>Ensuring Transparency and Accuracy</a:t>
             </a:r>
           </a:p>
           <a:p>
@@ -22328,7 +22314,12 @@
             <p:ph idx="1"/>
           </p:nvPr>
         </p:nvSpPr>
-        <p:spPr/>
+        <p:spPr>
+          <a:xfrm>
+            <a:off x="731520" y="1836420"/>
+            <a:ext cx="7680960" cy="3931920"/>
+          </a:xfrm>
+        </p:spPr>
         <p:txBody>
           <a:bodyPr>
             <a:normAutofit/>
@@ -22348,7 +22339,15 @@
             </a:r>
             <a:r>
               <a:rPr dirty="0"/>
-              <a:t> class manages a list of employees and provides functionalities</a:t>
+              <a:t> class manages a list of employees and provides </a:t>
+            </a:r>
+            <a:r>
+              <a:rPr lang="en-US" dirty="0"/>
+              <a:t>different </a:t>
+            </a:r>
+            <a:r>
+              <a:rPr dirty="0"/>
+              <a:t>functionalities</a:t>
             </a:r>
           </a:p>
         </p:txBody>
@@ -22366,7 +22365,7 @@
           <p:nvPr>
             <p:extLst>
               <p:ext uri="{D42A27DB-BD31-4B8C-83A1-F6EECF244321}">
-                <p14:modId xmlns:p14="http://schemas.microsoft.com/office/powerpoint/2010/main" val="2171634879"/>
+                <p14:modId xmlns:p14="http://schemas.microsoft.com/office/powerpoint/2010/main" val="2016420489"/>
               </p:ext>
             </p:extLst>
           </p:nvPr>
